--- a/slides/gwas.pptx
+++ b/slides/gwas.pptx
@@ -197,7 +197,7 @@
           <a:p>
             <a:fld id="{5E05A7F3-A13E-A74F-85C2-FDD5AFDDF788}" type="datetimeFigureOut">
               <a:rPr lang="en-US" smtClean="0"/>
-              <a:t>20/05/16</a:t>
+              <a:t>05/06/16</a:t>
             </a:fld>
             <a:endParaRPr lang="en-US"/>
           </a:p>
@@ -1070,7 +1070,7 @@
           <a:p>
             <a:fld id="{138B9AA7-FA8A-614B-BF2C-9AB8A4DF7A81}" type="datetimeFigureOut">
               <a:rPr lang="en-US" smtClean="0"/>
-              <a:t>20/05/16</a:t>
+              <a:t>05/06/16</a:t>
             </a:fld>
             <a:endParaRPr lang="en-US"/>
           </a:p>
@@ -1240,7 +1240,7 @@
           <a:p>
             <a:fld id="{138B9AA7-FA8A-614B-BF2C-9AB8A4DF7A81}" type="datetimeFigureOut">
               <a:rPr lang="en-US" smtClean="0"/>
-              <a:t>20/05/16</a:t>
+              <a:t>05/06/16</a:t>
             </a:fld>
             <a:endParaRPr lang="en-US"/>
           </a:p>
@@ -1420,7 +1420,7 @@
           <a:p>
             <a:fld id="{138B9AA7-FA8A-614B-BF2C-9AB8A4DF7A81}" type="datetimeFigureOut">
               <a:rPr lang="en-US" smtClean="0"/>
-              <a:t>20/05/16</a:t>
+              <a:t>05/06/16</a:t>
             </a:fld>
             <a:endParaRPr lang="en-US"/>
           </a:p>
@@ -1590,7 +1590,7 @@
           <a:p>
             <a:fld id="{138B9AA7-FA8A-614B-BF2C-9AB8A4DF7A81}" type="datetimeFigureOut">
               <a:rPr lang="en-US" smtClean="0"/>
-              <a:t>20/05/16</a:t>
+              <a:t>05/06/16</a:t>
             </a:fld>
             <a:endParaRPr lang="en-US"/>
           </a:p>
@@ -1836,7 +1836,7 @@
           <a:p>
             <a:fld id="{138B9AA7-FA8A-614B-BF2C-9AB8A4DF7A81}" type="datetimeFigureOut">
               <a:rPr lang="en-US" smtClean="0"/>
-              <a:t>20/05/16</a:t>
+              <a:t>05/06/16</a:t>
             </a:fld>
             <a:endParaRPr lang="en-US"/>
           </a:p>
@@ -2124,7 +2124,7 @@
           <a:p>
             <a:fld id="{138B9AA7-FA8A-614B-BF2C-9AB8A4DF7A81}" type="datetimeFigureOut">
               <a:rPr lang="en-US" smtClean="0"/>
-              <a:t>20/05/16</a:t>
+              <a:t>05/06/16</a:t>
             </a:fld>
             <a:endParaRPr lang="en-US"/>
           </a:p>
@@ -2546,7 +2546,7 @@
           <a:p>
             <a:fld id="{138B9AA7-FA8A-614B-BF2C-9AB8A4DF7A81}" type="datetimeFigureOut">
               <a:rPr lang="en-US" smtClean="0"/>
-              <a:t>20/05/16</a:t>
+              <a:t>05/06/16</a:t>
             </a:fld>
             <a:endParaRPr lang="en-US"/>
           </a:p>
@@ -2664,7 +2664,7 @@
           <a:p>
             <a:fld id="{138B9AA7-FA8A-614B-BF2C-9AB8A4DF7A81}" type="datetimeFigureOut">
               <a:rPr lang="en-US" smtClean="0"/>
-              <a:t>20/05/16</a:t>
+              <a:t>05/06/16</a:t>
             </a:fld>
             <a:endParaRPr lang="en-US"/>
           </a:p>
@@ -2759,7 +2759,7 @@
           <a:p>
             <a:fld id="{138B9AA7-FA8A-614B-BF2C-9AB8A4DF7A81}" type="datetimeFigureOut">
               <a:rPr lang="en-US" smtClean="0"/>
-              <a:t>20/05/16</a:t>
+              <a:t>05/06/16</a:t>
             </a:fld>
             <a:endParaRPr lang="en-US"/>
           </a:p>
@@ -3036,7 +3036,7 @@
           <a:p>
             <a:fld id="{138B9AA7-FA8A-614B-BF2C-9AB8A4DF7A81}" type="datetimeFigureOut">
               <a:rPr lang="en-US" smtClean="0"/>
-              <a:t>20/05/16</a:t>
+              <a:t>05/06/16</a:t>
             </a:fld>
             <a:endParaRPr lang="en-US"/>
           </a:p>
@@ -3289,7 +3289,7 @@
           <a:p>
             <a:fld id="{138B9AA7-FA8A-614B-BF2C-9AB8A4DF7A81}" type="datetimeFigureOut">
               <a:rPr lang="en-US" smtClean="0"/>
-              <a:t>20/05/16</a:t>
+              <a:t>05/06/16</a:t>
             </a:fld>
             <a:endParaRPr lang="en-US"/>
           </a:p>
@@ -3502,7 +3502,7 @@
           <a:p>
             <a:fld id="{138B9AA7-FA8A-614B-BF2C-9AB8A4DF7A81}" type="datetimeFigureOut">
               <a:rPr lang="en-US" smtClean="0"/>
-              <a:t>20/05/16</a:t>
+              <a:t>05/06/16</a:t>
             </a:fld>
             <a:endParaRPr lang="en-US"/>
           </a:p>
@@ -3917,12 +3917,72 @@
           <a:p>
             <a:r>
               <a:rPr lang="en-US" dirty="0" smtClean="0"/>
-              <a:t>Practical</a:t>
+              <a:t>Gib Hemani</a:t>
             </a:r>
             <a:endParaRPr lang="en-US" dirty="0"/>
           </a:p>
         </p:txBody>
       </p:sp>
+      <p:pic>
+        <p:nvPicPr>
+          <p:cNvPr id="4" name="Picture 3" descr="uob80.png"/>
+          <p:cNvPicPr>
+            <a:picLocks noChangeAspect="1"/>
+          </p:cNvPicPr>
+          <p:nvPr/>
+        </p:nvPicPr>
+        <p:blipFill>
+          <a:blip r:embed="rId2">
+            <a:extLst>
+              <a:ext uri="{28A0092B-C50C-407E-A947-70E740481C1C}">
+                <a14:useLocalDpi xmlns:a14="http://schemas.microsoft.com/office/drawing/2010/main" val="0"/>
+              </a:ext>
+            </a:extLst>
+          </a:blip>
+          <a:stretch>
+            <a:fillRect/>
+          </a:stretch>
+        </p:blipFill>
+        <p:spPr>
+          <a:xfrm>
+            <a:off x="262012" y="5589240"/>
+            <a:ext cx="3517900" cy="1016000"/>
+          </a:xfrm>
+          <a:prstGeom prst="rect">
+            <a:avLst/>
+          </a:prstGeom>
+        </p:spPr>
+      </p:pic>
+      <p:pic>
+        <p:nvPicPr>
+          <p:cNvPr id="5" name="Picture 4" descr="ieu80.png"/>
+          <p:cNvPicPr>
+            <a:picLocks noChangeAspect="1"/>
+          </p:cNvPicPr>
+          <p:nvPr/>
+        </p:nvPicPr>
+        <p:blipFill>
+          <a:blip r:embed="rId3">
+            <a:extLst>
+              <a:ext uri="{28A0092B-C50C-407E-A947-70E740481C1C}">
+                <a14:useLocalDpi xmlns:a14="http://schemas.microsoft.com/office/drawing/2010/main" val="0"/>
+              </a:ext>
+            </a:extLst>
+          </a:blip>
+          <a:stretch>
+            <a:fillRect/>
+          </a:stretch>
+        </p:blipFill>
+        <p:spPr>
+          <a:xfrm>
+            <a:off x="4141440" y="5661248"/>
+            <a:ext cx="2590800" cy="1016000"/>
+          </a:xfrm>
+          <a:prstGeom prst="rect">
+            <a:avLst/>
+          </a:prstGeom>
+        </p:spPr>
+      </p:pic>
     </p:spTree>
     <p:extLst>
       <p:ext uri="{BB962C8B-B14F-4D97-AF65-F5344CB8AC3E}">
